--- a/segedanyagok/Fuvar_nyilvantarto2.pptx
+++ b/segedanyagok/Fuvar_nyilvantarto2.pptx
@@ -8,10 +8,11 @@
     <p:sldId id="256" r:id="rId2"/>
     <p:sldId id="257" r:id="rId3"/>
     <p:sldId id="261" r:id="rId4"/>
-    <p:sldId id="260" r:id="rId5"/>
-    <p:sldId id="265" r:id="rId6"/>
-    <p:sldId id="263" r:id="rId7"/>
-    <p:sldId id="264" r:id="rId8"/>
+    <p:sldId id="266" r:id="rId5"/>
+    <p:sldId id="263" r:id="rId6"/>
+    <p:sldId id="260" r:id="rId7"/>
+    <p:sldId id="265" r:id="rId8"/>
+    <p:sldId id="264" r:id="rId9"/>
   </p:sldIdLst>
   <p:sldSz cx="12192000" cy="6858000"/>
   <p:notesSz cx="6858000" cy="9144000"/>
@@ -8039,6 +8040,479 @@
           <p:cNvPr id="2" name="Cím 1">
             <a:extLst>
               <a:ext uri="{FF2B5EF4-FFF2-40B4-BE49-F238E27FC236}">
+                <a16:creationId xmlns:a16="http://schemas.microsoft.com/office/drawing/2014/main" id="{671E9C80-08A9-C38A-9C0A-48FFC86A3EA3}"/>
+              </a:ext>
+            </a:extLst>
+          </p:cNvPr>
+          <p:cNvSpPr>
+            <a:spLocks noGrp="1"/>
+          </p:cNvSpPr>
+          <p:nvPr>
+            <p:ph type="title"/>
+          </p:nvPr>
+        </p:nvSpPr>
+        <p:spPr/>
+        <p:txBody>
+          <a:bodyPr/>
+          <a:lstStyle/>
+          <a:p>
+            <a:r>
+              <a:rPr lang="hu-HU" dirty="0"/>
+              <a:t>A végleges adatbázis</a:t>
+            </a:r>
+          </a:p>
+        </p:txBody>
+      </p:sp>
+      <p:pic>
+        <p:nvPicPr>
+          <p:cNvPr id="4" name="Tartalom helye 3" descr="A képen szöveg, képernyőkép, szám, diagram látható&#10;&#10;Automatikusan generált leírás">
+            <a:extLst>
+              <a:ext uri="{FF2B5EF4-FFF2-40B4-BE49-F238E27FC236}">
+                <a16:creationId xmlns:a16="http://schemas.microsoft.com/office/drawing/2014/main" id="{587802EF-E76C-1A03-C9D3-5C1109CD4B71}"/>
+              </a:ext>
+            </a:extLst>
+          </p:cNvPr>
+          <p:cNvPicPr>
+            <a:picLocks noGrp="1" noChangeAspect="1"/>
+          </p:cNvPicPr>
+          <p:nvPr>
+            <p:ph idx="1"/>
+          </p:nvPr>
+        </p:nvPicPr>
+        <p:blipFill>
+          <a:blip r:embed="rId2">
+            <a:extLst>
+              <a:ext uri="{28A0092B-C50C-407E-A947-70E740481C1C}">
+                <a14:useLocalDpi xmlns:a14="http://schemas.microsoft.com/office/drawing/2010/main" val="0"/>
+              </a:ext>
+            </a:extLst>
+          </a:blip>
+          <a:stretch>
+            <a:fillRect/>
+          </a:stretch>
+        </p:blipFill>
+        <p:spPr>
+          <a:xfrm>
+            <a:off x="1251678" y="1179094"/>
+            <a:ext cx="9984060" cy="5296521"/>
+          </a:xfrm>
+        </p:spPr>
+      </p:pic>
+    </p:spTree>
+    <p:extLst>
+      <p:ext uri="{BB962C8B-B14F-4D97-AF65-F5344CB8AC3E}">
+        <p14:creationId xmlns:p14="http://schemas.microsoft.com/office/powerpoint/2010/main" val="3217538530"/>
+      </p:ext>
+    </p:extLst>
+  </p:cSld>
+  <p:clrMapOvr>
+    <a:masterClrMapping/>
+  </p:clrMapOvr>
+  <p:timing>
+    <p:tnLst>
+      <p:par>
+        <p:cTn id="1" dur="indefinite" restart="never" nodeType="tmRoot">
+          <p:childTnLst>
+            <p:seq concurrent="1" nextAc="seek">
+              <p:cTn id="2" dur="indefinite" nodeType="mainSeq">
+                <p:childTnLst>
+                  <p:par>
+                    <p:cTn id="3" fill="hold">
+                      <p:stCondLst>
+                        <p:cond delay="indefinite"/>
+                      </p:stCondLst>
+                      <p:childTnLst>
+                        <p:par>
+                          <p:cTn id="4" fill="hold">
+                            <p:stCondLst>
+                              <p:cond delay="0"/>
+                            </p:stCondLst>
+                            <p:childTnLst>
+                              <p:par>
+                                <p:cTn id="5" presetID="1" presetClass="entr" presetSubtype="0" fill="hold" grpId="0" nodeType="clickEffect">
+                                  <p:stCondLst>
+                                    <p:cond delay="0"/>
+                                  </p:stCondLst>
+                                  <p:childTnLst>
+                                    <p:set>
+                                      <p:cBhvr>
+                                        <p:cTn id="6" dur="1" fill="hold">
+                                          <p:stCondLst>
+                                            <p:cond delay="0"/>
+                                          </p:stCondLst>
+                                        </p:cTn>
+                                        <p:tgtEl>
+                                          <p:spTgt spid="2"/>
+                                        </p:tgtEl>
+                                        <p:attrNameLst>
+                                          <p:attrName>style.visibility</p:attrName>
+                                        </p:attrNameLst>
+                                      </p:cBhvr>
+                                      <p:to>
+                                        <p:strVal val="visible"/>
+                                      </p:to>
+                                    </p:set>
+                                  </p:childTnLst>
+                                </p:cTn>
+                              </p:par>
+                            </p:childTnLst>
+                          </p:cTn>
+                        </p:par>
+                      </p:childTnLst>
+                    </p:cTn>
+                  </p:par>
+                </p:childTnLst>
+              </p:cTn>
+              <p:prevCondLst>
+                <p:cond evt="onPrev" delay="0">
+                  <p:tgtEl>
+                    <p:sldTgt/>
+                  </p:tgtEl>
+                </p:cond>
+              </p:prevCondLst>
+              <p:nextCondLst>
+                <p:cond evt="onNext" delay="0">
+                  <p:tgtEl>
+                    <p:sldTgt/>
+                  </p:tgtEl>
+                </p:cond>
+              </p:nextCondLst>
+            </p:seq>
+          </p:childTnLst>
+        </p:cTn>
+      </p:par>
+    </p:tnLst>
+    <p:bldLst>
+      <p:bldP spid="2" grpId="0"/>
+    </p:bldLst>
+  </p:timing>
+</p:sld>
+</file>
+
+<file path=ppt/slides/slide5.xml><?xml version="1.0" encoding="utf-8"?>
+<p:sld xmlns:a="http://schemas.openxmlformats.org/drawingml/2006/main" xmlns:r="http://schemas.openxmlformats.org/officeDocument/2006/relationships" xmlns:p="http://schemas.openxmlformats.org/presentationml/2006/main">
+  <p:cSld>
+    <p:spTree>
+      <p:nvGrpSpPr>
+        <p:cNvPr id="1" name=""/>
+        <p:cNvGrpSpPr/>
+        <p:nvPr/>
+      </p:nvGrpSpPr>
+      <p:grpSpPr>
+        <a:xfrm>
+          <a:off x="0" y="0"/>
+          <a:ext cx="0" cy="0"/>
+          <a:chOff x="0" y="0"/>
+          <a:chExt cx="0" cy="0"/>
+        </a:xfrm>
+      </p:grpSpPr>
+      <p:sp>
+        <p:nvSpPr>
+          <p:cNvPr id="2" name="Cím 1">
+            <a:extLst>
+              <a:ext uri="{FF2B5EF4-FFF2-40B4-BE49-F238E27FC236}">
+                <a16:creationId xmlns:a16="http://schemas.microsoft.com/office/drawing/2014/main" id="{671E9C80-08A9-C38A-9C0A-48FFC86A3EA3}"/>
+              </a:ext>
+            </a:extLst>
+          </p:cNvPr>
+          <p:cNvSpPr>
+            <a:spLocks noGrp="1"/>
+          </p:cNvSpPr>
+          <p:nvPr>
+            <p:ph type="title"/>
+          </p:nvPr>
+        </p:nvSpPr>
+        <p:spPr/>
+        <p:txBody>
+          <a:bodyPr/>
+          <a:lstStyle/>
+          <a:p>
+            <a:r>
+              <a:rPr lang="hu-HU"/>
+              <a:t>a megvalósított projekt</a:t>
+            </a:r>
+          </a:p>
+        </p:txBody>
+      </p:sp>
+      <p:sp>
+        <p:nvSpPr>
+          <p:cNvPr id="5" name="Tartalom helye 2">
+            <a:extLst>
+              <a:ext uri="{FF2B5EF4-FFF2-40B4-BE49-F238E27FC236}">
+                <a16:creationId xmlns:a16="http://schemas.microsoft.com/office/drawing/2014/main" id="{F97A852A-2812-13E1-A58F-FDF9F2701519}"/>
+              </a:ext>
+            </a:extLst>
+          </p:cNvPr>
+          <p:cNvSpPr>
+            <a:spLocks noGrp="1"/>
+          </p:cNvSpPr>
+          <p:nvPr>
+            <p:ph idx="1"/>
+          </p:nvPr>
+        </p:nvSpPr>
+        <p:spPr>
+          <a:xfrm>
+            <a:off x="1141413" y="2514600"/>
+            <a:ext cx="9905998" cy="2080470"/>
+          </a:xfrm>
+        </p:spPr>
+        <p:txBody>
+          <a:bodyPr vert="horz" lIns="91440" tIns="45720" rIns="91440" bIns="45720" rtlCol="0" anchor="t">
+            <a:normAutofit lnSpcReduction="10000"/>
+          </a:bodyPr>
+          <a:lstStyle/>
+          <a:p>
+            <a:pPr marL="0" indent="0">
+              <a:buNone/>
+            </a:pPr>
+            <a:r>
+              <a:rPr lang="hu-HU" sz="3200">
+                <a:latin typeface="-apple-system"/>
+              </a:rPr>
+              <a:t>Egy egyszerű és hatékony kamionsofőr, és fuvar</a:t>
+            </a:r>
+            <a:br>
+              <a:rPr lang="hu-HU" sz="3200">
+                <a:latin typeface="-apple-system"/>
+              </a:rPr>
+            </a:br>
+            <a:r>
+              <a:rPr lang="hu-HU" sz="3200">
+                <a:latin typeface="-apple-system"/>
+              </a:rPr>
+              <a:t>nyilvántartó rendszer, amely lehetővé teszi a futár</a:t>
+            </a:r>
+            <a:br>
+              <a:rPr lang="hu-HU" sz="3200">
+                <a:latin typeface="-apple-system"/>
+              </a:rPr>
+            </a:br>
+            <a:r>
+              <a:rPr lang="hu-HU" sz="3200">
+                <a:latin typeface="-apple-system"/>
+              </a:rPr>
+              <a:t>cégek számára, hogy nyomon kövessék a kamionsofőrök adatait és fuvarjait.</a:t>
+            </a:r>
+          </a:p>
+        </p:txBody>
+      </p:sp>
+    </p:spTree>
+    <p:extLst>
+      <p:ext uri="{BB962C8B-B14F-4D97-AF65-F5344CB8AC3E}">
+        <p14:creationId xmlns:p14="http://schemas.microsoft.com/office/powerpoint/2010/main" val="2615483358"/>
+      </p:ext>
+    </p:extLst>
+  </p:cSld>
+  <p:clrMapOvr>
+    <a:masterClrMapping/>
+  </p:clrMapOvr>
+  <p:timing>
+    <p:tnLst>
+      <p:par>
+        <p:cTn id="1" dur="indefinite" restart="never" nodeType="tmRoot">
+          <p:childTnLst>
+            <p:seq concurrent="1" nextAc="seek">
+              <p:cTn id="2" dur="indefinite" nodeType="mainSeq">
+                <p:childTnLst>
+                  <p:par>
+                    <p:cTn id="3" fill="hold">
+                      <p:stCondLst>
+                        <p:cond delay="indefinite"/>
+                      </p:stCondLst>
+                      <p:childTnLst>
+                        <p:par>
+                          <p:cTn id="4" fill="hold">
+                            <p:stCondLst>
+                              <p:cond delay="0"/>
+                            </p:stCondLst>
+                            <p:childTnLst>
+                              <p:par>
+                                <p:cTn id="5" presetID="1" presetClass="entr" presetSubtype="0" fill="hold" grpId="0" nodeType="clickEffect">
+                                  <p:stCondLst>
+                                    <p:cond delay="0"/>
+                                  </p:stCondLst>
+                                  <p:childTnLst>
+                                    <p:set>
+                                      <p:cBhvr>
+                                        <p:cTn id="6" dur="1" fill="hold">
+                                          <p:stCondLst>
+                                            <p:cond delay="0"/>
+                                          </p:stCondLst>
+                                        </p:cTn>
+                                        <p:tgtEl>
+                                          <p:spTgt spid="2"/>
+                                        </p:tgtEl>
+                                        <p:attrNameLst>
+                                          <p:attrName>style.visibility</p:attrName>
+                                        </p:attrNameLst>
+                                      </p:cBhvr>
+                                      <p:to>
+                                        <p:strVal val="visible"/>
+                                      </p:to>
+                                    </p:set>
+                                  </p:childTnLst>
+                                </p:cTn>
+                              </p:par>
+                            </p:childTnLst>
+                          </p:cTn>
+                        </p:par>
+                      </p:childTnLst>
+                    </p:cTn>
+                  </p:par>
+                  <p:par>
+                    <p:cTn id="7" fill="hold">
+                      <p:stCondLst>
+                        <p:cond delay="indefinite"/>
+                      </p:stCondLst>
+                      <p:childTnLst>
+                        <p:par>
+                          <p:cTn id="8" fill="hold">
+                            <p:stCondLst>
+                              <p:cond delay="0"/>
+                            </p:stCondLst>
+                            <p:childTnLst>
+                              <p:par>
+                                <p:cTn id="9" presetID="2" presetClass="entr" presetSubtype="4" fill="hold" grpId="0" nodeType="clickEffect">
+                                  <p:stCondLst>
+                                    <p:cond delay="0"/>
+                                  </p:stCondLst>
+                                  <p:childTnLst>
+                                    <p:set>
+                                      <p:cBhvr>
+                                        <p:cTn id="10" dur="1" fill="hold">
+                                          <p:stCondLst>
+                                            <p:cond delay="0"/>
+                                          </p:stCondLst>
+                                        </p:cTn>
+                                        <p:tgtEl>
+                                          <p:spTgt spid="5">
+                                            <p:txEl>
+                                              <p:pRg st="0" end="0"/>
+                                            </p:txEl>
+                                          </p:spTgt>
+                                        </p:tgtEl>
+                                        <p:attrNameLst>
+                                          <p:attrName>style.visibility</p:attrName>
+                                        </p:attrNameLst>
+                                      </p:cBhvr>
+                                      <p:to>
+                                        <p:strVal val="visible"/>
+                                      </p:to>
+                                    </p:set>
+                                    <p:anim calcmode="lin" valueType="num">
+                                      <p:cBhvr additive="base">
+                                        <p:cTn id="11" dur="500" fill="hold"/>
+                                        <p:tgtEl>
+                                          <p:spTgt spid="5">
+                                            <p:txEl>
+                                              <p:pRg st="0" end="0"/>
+                                            </p:txEl>
+                                          </p:spTgt>
+                                        </p:tgtEl>
+                                        <p:attrNameLst>
+                                          <p:attrName>ppt_x</p:attrName>
+                                        </p:attrNameLst>
+                                      </p:cBhvr>
+                                      <p:tavLst>
+                                        <p:tav tm="0">
+                                          <p:val>
+                                            <p:strVal val="#ppt_x"/>
+                                          </p:val>
+                                        </p:tav>
+                                        <p:tav tm="100000">
+                                          <p:val>
+                                            <p:strVal val="#ppt_x"/>
+                                          </p:val>
+                                        </p:tav>
+                                      </p:tavLst>
+                                    </p:anim>
+                                    <p:anim calcmode="lin" valueType="num">
+                                      <p:cBhvr additive="base">
+                                        <p:cTn id="12" dur="500" fill="hold"/>
+                                        <p:tgtEl>
+                                          <p:spTgt spid="5">
+                                            <p:txEl>
+                                              <p:pRg st="0" end="0"/>
+                                            </p:txEl>
+                                          </p:spTgt>
+                                        </p:tgtEl>
+                                        <p:attrNameLst>
+                                          <p:attrName>ppt_y</p:attrName>
+                                        </p:attrNameLst>
+                                      </p:cBhvr>
+                                      <p:tavLst>
+                                        <p:tav tm="0">
+                                          <p:val>
+                                            <p:strVal val="1+#ppt_h/2"/>
+                                          </p:val>
+                                        </p:tav>
+                                        <p:tav tm="100000">
+                                          <p:val>
+                                            <p:strVal val="#ppt_y"/>
+                                          </p:val>
+                                        </p:tav>
+                                      </p:tavLst>
+                                    </p:anim>
+                                  </p:childTnLst>
+                                </p:cTn>
+                              </p:par>
+                            </p:childTnLst>
+                          </p:cTn>
+                        </p:par>
+                      </p:childTnLst>
+                    </p:cTn>
+                  </p:par>
+                </p:childTnLst>
+              </p:cTn>
+              <p:prevCondLst>
+                <p:cond evt="onPrev" delay="0">
+                  <p:tgtEl>
+                    <p:sldTgt/>
+                  </p:tgtEl>
+                </p:cond>
+              </p:prevCondLst>
+              <p:nextCondLst>
+                <p:cond evt="onNext" delay="0">
+                  <p:tgtEl>
+                    <p:sldTgt/>
+                  </p:tgtEl>
+                </p:cond>
+              </p:nextCondLst>
+            </p:seq>
+          </p:childTnLst>
+        </p:cTn>
+      </p:par>
+    </p:tnLst>
+    <p:bldLst>
+      <p:bldP spid="2" grpId="0"/>
+      <p:bldP spid="5" grpId="0" build="p"/>
+    </p:bldLst>
+  </p:timing>
+</p:sld>
+</file>
+
+<file path=ppt/slides/slide6.xml><?xml version="1.0" encoding="utf-8"?>
+<p:sld xmlns:a="http://schemas.openxmlformats.org/drawingml/2006/main" xmlns:r="http://schemas.openxmlformats.org/officeDocument/2006/relationships" xmlns:p="http://schemas.openxmlformats.org/presentationml/2006/main">
+  <p:cSld>
+    <p:spTree>
+      <p:nvGrpSpPr>
+        <p:cNvPr id="1" name=""/>
+        <p:cNvGrpSpPr/>
+        <p:nvPr/>
+      </p:nvGrpSpPr>
+      <p:grpSpPr>
+        <a:xfrm>
+          <a:off x="0" y="0"/>
+          <a:ext cx="0" cy="0"/>
+          <a:chOff x="0" y="0"/>
+          <a:chExt cx="0" cy="0"/>
+        </a:xfrm>
+      </p:grpSpPr>
+      <p:sp>
+        <p:nvSpPr>
+          <p:cNvPr id="2" name="Cím 1">
+            <a:extLst>
+              <a:ext uri="{FF2B5EF4-FFF2-40B4-BE49-F238E27FC236}">
                 <a16:creationId xmlns:a16="http://schemas.microsoft.com/office/drawing/2014/main" id="{054287BD-147E-51F3-8010-11C822EBEC8B}"/>
               </a:ext>
             </a:extLst>
@@ -8310,7 +8784,7 @@
 </p:sld>
 </file>
 
-<file path=ppt/slides/slide5.xml><?xml version="1.0" encoding="utf-8"?>
+<file path=ppt/slides/slide7.xml><?xml version="1.0" encoding="utf-8"?>
 <p:sld xmlns:a="http://schemas.openxmlformats.org/drawingml/2006/main" xmlns:r="http://schemas.openxmlformats.org/officeDocument/2006/relationships" xmlns:p="http://schemas.openxmlformats.org/presentationml/2006/main">
   <p:cSld>
     <p:spTree>
@@ -8602,309 +9076,7 @@
 </p:sld>
 </file>
 
-<file path=ppt/slides/slide6.xml><?xml version="1.0" encoding="utf-8"?>
-<p:sld xmlns:a="http://schemas.openxmlformats.org/drawingml/2006/main" xmlns:r="http://schemas.openxmlformats.org/officeDocument/2006/relationships" xmlns:p="http://schemas.openxmlformats.org/presentationml/2006/main">
-  <p:cSld>
-    <p:spTree>
-      <p:nvGrpSpPr>
-        <p:cNvPr id="1" name=""/>
-        <p:cNvGrpSpPr/>
-        <p:nvPr/>
-      </p:nvGrpSpPr>
-      <p:grpSpPr>
-        <a:xfrm>
-          <a:off x="0" y="0"/>
-          <a:ext cx="0" cy="0"/>
-          <a:chOff x="0" y="0"/>
-          <a:chExt cx="0" cy="0"/>
-        </a:xfrm>
-      </p:grpSpPr>
-      <p:sp>
-        <p:nvSpPr>
-          <p:cNvPr id="2" name="Cím 1">
-            <a:extLst>
-              <a:ext uri="{FF2B5EF4-FFF2-40B4-BE49-F238E27FC236}">
-                <a16:creationId xmlns:a16="http://schemas.microsoft.com/office/drawing/2014/main" id="{671E9C80-08A9-C38A-9C0A-48FFC86A3EA3}"/>
-              </a:ext>
-            </a:extLst>
-          </p:cNvPr>
-          <p:cNvSpPr>
-            <a:spLocks noGrp="1"/>
-          </p:cNvSpPr>
-          <p:nvPr>
-            <p:ph type="title"/>
-          </p:nvPr>
-        </p:nvSpPr>
-        <p:spPr/>
-        <p:txBody>
-          <a:bodyPr/>
-          <a:lstStyle/>
-          <a:p>
-            <a:r>
-              <a:rPr lang="hu-HU"/>
-              <a:t>a megvalósított projekt</a:t>
-            </a:r>
-          </a:p>
-        </p:txBody>
-      </p:sp>
-      <p:sp>
-        <p:nvSpPr>
-          <p:cNvPr id="5" name="Tartalom helye 2">
-            <a:extLst>
-              <a:ext uri="{FF2B5EF4-FFF2-40B4-BE49-F238E27FC236}">
-                <a16:creationId xmlns:a16="http://schemas.microsoft.com/office/drawing/2014/main" id="{F97A852A-2812-13E1-A58F-FDF9F2701519}"/>
-              </a:ext>
-            </a:extLst>
-          </p:cNvPr>
-          <p:cNvSpPr>
-            <a:spLocks noGrp="1"/>
-          </p:cNvSpPr>
-          <p:nvPr>
-            <p:ph idx="1"/>
-          </p:nvPr>
-        </p:nvSpPr>
-        <p:spPr>
-          <a:xfrm>
-            <a:off x="1141413" y="2514600"/>
-            <a:ext cx="9905998" cy="2080470"/>
-          </a:xfrm>
-        </p:spPr>
-        <p:txBody>
-          <a:bodyPr vert="horz" lIns="91440" tIns="45720" rIns="91440" bIns="45720" rtlCol="0" anchor="t">
-            <a:normAutofit lnSpcReduction="10000"/>
-          </a:bodyPr>
-          <a:lstStyle/>
-          <a:p>
-            <a:pPr marL="0" indent="0">
-              <a:buNone/>
-            </a:pPr>
-            <a:r>
-              <a:rPr lang="hu-HU" sz="3200">
-                <a:latin typeface="-apple-system"/>
-              </a:rPr>
-              <a:t>Egy egyszerű és hatékony kamionsofőr, és fuvar</a:t>
-            </a:r>
-            <a:br>
-              <a:rPr lang="hu-HU" sz="3200">
-                <a:latin typeface="-apple-system"/>
-              </a:rPr>
-            </a:br>
-            <a:r>
-              <a:rPr lang="hu-HU" sz="3200">
-                <a:latin typeface="-apple-system"/>
-              </a:rPr>
-              <a:t>nyilvántartó rendszer, amely lehetővé teszi a futár</a:t>
-            </a:r>
-            <a:br>
-              <a:rPr lang="hu-HU" sz="3200">
-                <a:latin typeface="-apple-system"/>
-              </a:rPr>
-            </a:br>
-            <a:r>
-              <a:rPr lang="hu-HU" sz="3200">
-                <a:latin typeface="-apple-system"/>
-              </a:rPr>
-              <a:t>cégek számára, hogy nyomon kövessék a kamionsofőrök adatait és fuvarjait.</a:t>
-            </a:r>
-          </a:p>
-        </p:txBody>
-      </p:sp>
-    </p:spTree>
-    <p:extLst>
-      <p:ext uri="{BB962C8B-B14F-4D97-AF65-F5344CB8AC3E}">
-        <p14:creationId xmlns:p14="http://schemas.microsoft.com/office/powerpoint/2010/main" val="2615483358"/>
-      </p:ext>
-    </p:extLst>
-  </p:cSld>
-  <p:clrMapOvr>
-    <a:masterClrMapping/>
-  </p:clrMapOvr>
-  <p:timing>
-    <p:tnLst>
-      <p:par>
-        <p:cTn id="1" dur="indefinite" restart="never" nodeType="tmRoot">
-          <p:childTnLst>
-            <p:seq concurrent="1" nextAc="seek">
-              <p:cTn id="2" dur="indefinite" nodeType="mainSeq">
-                <p:childTnLst>
-                  <p:par>
-                    <p:cTn id="3" fill="hold">
-                      <p:stCondLst>
-                        <p:cond delay="indefinite"/>
-                      </p:stCondLst>
-                      <p:childTnLst>
-                        <p:par>
-                          <p:cTn id="4" fill="hold">
-                            <p:stCondLst>
-                              <p:cond delay="0"/>
-                            </p:stCondLst>
-                            <p:childTnLst>
-                              <p:par>
-                                <p:cTn id="5" presetID="1" presetClass="entr" presetSubtype="0" fill="hold" grpId="0" nodeType="clickEffect">
-                                  <p:stCondLst>
-                                    <p:cond delay="0"/>
-                                  </p:stCondLst>
-                                  <p:childTnLst>
-                                    <p:set>
-                                      <p:cBhvr>
-                                        <p:cTn id="6" dur="1" fill="hold">
-                                          <p:stCondLst>
-                                            <p:cond delay="0"/>
-                                          </p:stCondLst>
-                                        </p:cTn>
-                                        <p:tgtEl>
-                                          <p:spTgt spid="2"/>
-                                        </p:tgtEl>
-                                        <p:attrNameLst>
-                                          <p:attrName>style.visibility</p:attrName>
-                                        </p:attrNameLst>
-                                      </p:cBhvr>
-                                      <p:to>
-                                        <p:strVal val="visible"/>
-                                      </p:to>
-                                    </p:set>
-                                  </p:childTnLst>
-                                </p:cTn>
-                              </p:par>
-                            </p:childTnLst>
-                          </p:cTn>
-                        </p:par>
-                      </p:childTnLst>
-                    </p:cTn>
-                  </p:par>
-                  <p:par>
-                    <p:cTn id="7" fill="hold">
-                      <p:stCondLst>
-                        <p:cond delay="indefinite"/>
-                      </p:stCondLst>
-                      <p:childTnLst>
-                        <p:par>
-                          <p:cTn id="8" fill="hold">
-                            <p:stCondLst>
-                              <p:cond delay="0"/>
-                            </p:stCondLst>
-                            <p:childTnLst>
-                              <p:par>
-                                <p:cTn id="9" presetID="2" presetClass="entr" presetSubtype="4" fill="hold" grpId="0" nodeType="clickEffect">
-                                  <p:stCondLst>
-                                    <p:cond delay="0"/>
-                                  </p:stCondLst>
-                                  <p:childTnLst>
-                                    <p:set>
-                                      <p:cBhvr>
-                                        <p:cTn id="10" dur="1" fill="hold">
-                                          <p:stCondLst>
-                                            <p:cond delay="0"/>
-                                          </p:stCondLst>
-                                        </p:cTn>
-                                        <p:tgtEl>
-                                          <p:spTgt spid="5">
-                                            <p:txEl>
-                                              <p:pRg st="0" end="0"/>
-                                            </p:txEl>
-                                          </p:spTgt>
-                                        </p:tgtEl>
-                                        <p:attrNameLst>
-                                          <p:attrName>style.visibility</p:attrName>
-                                        </p:attrNameLst>
-                                      </p:cBhvr>
-                                      <p:to>
-                                        <p:strVal val="visible"/>
-                                      </p:to>
-                                    </p:set>
-                                    <p:anim calcmode="lin" valueType="num">
-                                      <p:cBhvr additive="base">
-                                        <p:cTn id="11" dur="500" fill="hold"/>
-                                        <p:tgtEl>
-                                          <p:spTgt spid="5">
-                                            <p:txEl>
-                                              <p:pRg st="0" end="0"/>
-                                            </p:txEl>
-                                          </p:spTgt>
-                                        </p:tgtEl>
-                                        <p:attrNameLst>
-                                          <p:attrName>ppt_x</p:attrName>
-                                        </p:attrNameLst>
-                                      </p:cBhvr>
-                                      <p:tavLst>
-                                        <p:tav tm="0">
-                                          <p:val>
-                                            <p:strVal val="#ppt_x"/>
-                                          </p:val>
-                                        </p:tav>
-                                        <p:tav tm="100000">
-                                          <p:val>
-                                            <p:strVal val="#ppt_x"/>
-                                          </p:val>
-                                        </p:tav>
-                                      </p:tavLst>
-                                    </p:anim>
-                                    <p:anim calcmode="lin" valueType="num">
-                                      <p:cBhvr additive="base">
-                                        <p:cTn id="12" dur="500" fill="hold"/>
-                                        <p:tgtEl>
-                                          <p:spTgt spid="5">
-                                            <p:txEl>
-                                              <p:pRg st="0" end="0"/>
-                                            </p:txEl>
-                                          </p:spTgt>
-                                        </p:tgtEl>
-                                        <p:attrNameLst>
-                                          <p:attrName>ppt_y</p:attrName>
-                                        </p:attrNameLst>
-                                      </p:cBhvr>
-                                      <p:tavLst>
-                                        <p:tav tm="0">
-                                          <p:val>
-                                            <p:strVal val="1+#ppt_h/2"/>
-                                          </p:val>
-                                        </p:tav>
-                                        <p:tav tm="100000">
-                                          <p:val>
-                                            <p:strVal val="#ppt_y"/>
-                                          </p:val>
-                                        </p:tav>
-                                      </p:tavLst>
-                                    </p:anim>
-                                  </p:childTnLst>
-                                </p:cTn>
-                              </p:par>
-                            </p:childTnLst>
-                          </p:cTn>
-                        </p:par>
-                      </p:childTnLst>
-                    </p:cTn>
-                  </p:par>
-                </p:childTnLst>
-              </p:cTn>
-              <p:prevCondLst>
-                <p:cond evt="onPrev" delay="0">
-                  <p:tgtEl>
-                    <p:sldTgt/>
-                  </p:tgtEl>
-                </p:cond>
-              </p:prevCondLst>
-              <p:nextCondLst>
-                <p:cond evt="onNext" delay="0">
-                  <p:tgtEl>
-                    <p:sldTgt/>
-                  </p:tgtEl>
-                </p:cond>
-              </p:nextCondLst>
-            </p:seq>
-          </p:childTnLst>
-        </p:cTn>
-      </p:par>
-    </p:tnLst>
-    <p:bldLst>
-      <p:bldP spid="2" grpId="0"/>
-      <p:bldP spid="5" grpId="0" build="p"/>
-    </p:bldLst>
-  </p:timing>
-</p:sld>
-</file>
-
-<file path=ppt/slides/slide7.xml><?xml version="1.0" encoding="utf-8"?>
+<file path=ppt/slides/slide8.xml><?xml version="1.0" encoding="utf-8"?>
 <p:sld xmlns:a="http://schemas.openxmlformats.org/drawingml/2006/main" xmlns:r="http://schemas.openxmlformats.org/officeDocument/2006/relationships" xmlns:p="http://schemas.openxmlformats.org/presentationml/2006/main">
   <p:cSld>
     <p:spTree>
